--- a/media/Credit_Risk_Management_Presentation.pptx
+++ b/media/Credit_Risk_Management_Presentation.pptx
@@ -4933,7 +4933,12 @@
             <p:ph type="title"/>
           </p:nvPr>
         </p:nvSpPr>
-        <p:spPr/>
+        <p:spPr>
+          <a:xfrm>
+            <a:off x="581192" y="702157"/>
+            <a:ext cx="11029616" cy="593244"/>
+          </a:xfrm>
+        </p:spPr>
         <p:txBody>
           <a:bodyPr/>
           <a:lstStyle/>
@@ -4964,8 +4969,8 @@
         </p:nvSpPr>
         <p:spPr>
           <a:xfrm>
-            <a:off x="581193" y="2340864"/>
-            <a:ext cx="5514808" cy="3634486"/>
+            <a:off x="581192" y="778106"/>
+            <a:ext cx="5514808" cy="2261427"/>
           </a:xfrm>
         </p:spPr>
         <p:txBody>
@@ -4987,27 +4992,7 @@
           <a:p>
             <a:r>
               <a:rPr lang="ru-RU" sz="2400" dirty="0"/>
-              <a:t>Балл: 0,76 (0,75 на кросс-валидации)</a:t>
-            </a:r>
-          </a:p>
-          <a:p>
-            <a:r>
-              <a:rPr lang="ru-RU" sz="2400" dirty="0"/>
               <a:t>Признаков на входе модели: 183</a:t>
-            </a:r>
-          </a:p>
-          <a:p>
-            <a:r>
-              <a:rPr lang="ru-RU" sz="2400" dirty="0"/>
-              <a:t>Время обработки </a:t>
-            </a:r>
-            <a:r>
-              <a:rPr lang="ru-RU" sz="2400" dirty="0" err="1"/>
-              <a:t>пайплайна</a:t>
-            </a:r>
-            <a:r>
-              <a:rPr lang="ru-RU" sz="2400" dirty="0"/>
-              <a:t>: 5 мин.</a:t>
             </a:r>
           </a:p>
         </p:txBody>
@@ -5058,7 +5043,7 @@
         </p:nvSpPr>
         <p:spPr>
           <a:xfrm>
-            <a:off x="6270946" y="1686102"/>
+            <a:off x="6270946" y="1489520"/>
             <a:ext cx="5514808" cy="859536"/>
           </a:xfrm>
           <a:prstGeom prst="rect">
@@ -5067,7 +5052,7 @@
         </p:spPr>
         <p:txBody>
           <a:bodyPr vert="horz" lIns="91440" tIns="45720" rIns="91440" bIns="45720" rtlCol="0" anchor="ctr">
-            <a:normAutofit/>
+            <a:noAutofit/>
           </a:bodyPr>
           <a:lstStyle>
             <a:lvl1pPr marL="306000" indent="-306000" algn="l" defTabSz="457200" rtl="0" eaLnBrk="1" latinLnBrk="0" hangingPunct="1">
@@ -5290,9 +5275,22 @@
           <a:p>
             <a:r>
               <a:rPr lang="ru-RU" sz="2400" dirty="0"/>
-              <a:t>Матрица неточностей:</a:t>
-            </a:r>
-            <a:endParaRPr lang="LID4096" sz="2400" dirty="0"/>
+              <a:t>Время обработки </a:t>
+            </a:r>
+            <a:r>
+              <a:rPr lang="ru-RU" sz="2400" dirty="0" err="1"/>
+              <a:t>пайплайна</a:t>
+            </a:r>
+            <a:r>
+              <a:rPr lang="ru-RU" sz="2400" dirty="0"/>
+              <a:t>: 5 мин.</a:t>
+            </a:r>
+          </a:p>
+          <a:p>
+            <a:r>
+              <a:rPr lang="ru-RU" sz="2400" dirty="0"/>
+              <a:t>Балл: 0,76 (0,75 на кросс-валидации)</a:t>
+            </a:r>
           </a:p>
         </p:txBody>
       </p:sp>
@@ -5325,7 +5323,43 @@
         <p:spPr>
           <a:xfrm>
             <a:off x="6270946" y="2543176"/>
-            <a:ext cx="4682561" cy="3795246"/>
+            <a:ext cx="5003595" cy="3880738"/>
+          </a:xfrm>
+          <a:prstGeom prst="rect">
+            <a:avLst/>
+          </a:prstGeom>
+        </p:spPr>
+      </p:pic>
+      <p:pic>
+        <p:nvPicPr>
+          <p:cNvPr id="8" name="Рисунок 7">
+            <a:extLst>
+              <a:ext uri="{FF2B5EF4-FFF2-40B4-BE49-F238E27FC236}">
+                <a16:creationId xmlns:a16="http://schemas.microsoft.com/office/drawing/2014/main" id="{BBA4ADDA-157D-4572-AAD0-6A4E04126136}"/>
+              </a:ext>
+            </a:extLst>
+          </p:cNvPr>
+          <p:cNvPicPr>
+            <a:picLocks noChangeAspect="1"/>
+          </p:cNvPicPr>
+          <p:nvPr/>
+        </p:nvPicPr>
+        <p:blipFill>
+          <a:blip r:embed="rId3">
+            <a:extLst>
+              <a:ext uri="{28A0092B-C50C-407E-A947-70E740481C1C}">
+                <a14:useLocalDpi xmlns:a14="http://schemas.microsoft.com/office/drawing/2010/main" val="0"/>
+              </a:ext>
+            </a:extLst>
+          </a:blip>
+          <a:stretch>
+            <a:fillRect/>
+          </a:stretch>
+        </p:blipFill>
+        <p:spPr>
+          <a:xfrm>
+            <a:off x="762204" y="2543175"/>
+            <a:ext cx="5003595" cy="3880739"/>
           </a:xfrm>
           <a:prstGeom prst="rect">
             <a:avLst/>
@@ -5423,39 +5457,54 @@
         </p:spPr>
         <p:txBody>
           <a:bodyPr>
-            <a:normAutofit/>
+            <a:noAutofit/>
           </a:bodyPr>
           <a:lstStyle/>
           <a:p>
             <a:r>
-              <a:rPr lang="ru-RU" sz="2000" dirty="0"/>
+              <a:rPr lang="ru-RU" sz="2200" dirty="0"/>
               <a:t>Модель на вход ожидает файл формата </a:t>
             </a:r>
             <a:r>
-              <a:rPr lang="en-US" sz="2000" dirty="0"/>
+              <a:rPr lang="en-US" sz="2200" dirty="0"/>
               <a:t>parquet </a:t>
             </a:r>
             <a:r>
-              <a:rPr lang="ru-RU" sz="2000" dirty="0"/>
+              <a:rPr lang="ru-RU" sz="2200" dirty="0"/>
               <a:t>со всеми заявками клиента.</a:t>
             </a:r>
           </a:p>
           <a:p>
             <a:r>
-              <a:rPr lang="ru-RU" sz="2000" dirty="0"/>
+              <a:rPr lang="ru-RU" sz="2200" dirty="0"/>
               <a:t>Модель выдаёт предсказание: </a:t>
             </a:r>
             <a:br>
-              <a:rPr lang="ru-RU" sz="2000" dirty="0"/>
+              <a:rPr lang="ru-RU" sz="2200" dirty="0"/>
             </a:br>
             <a:r>
-              <a:rPr lang="ru-RU" sz="2000" dirty="0"/>
-              <a:t>0, если клиент не уйдёт в дефолт, 1 — в противном случае.</a:t>
+              <a:rPr lang="ru-RU" sz="2400" b="1" dirty="0"/>
+              <a:t>0</a:t>
+            </a:r>
+            <a:r>
+              <a:rPr lang="ru-RU" sz="2200" dirty="0"/>
+              <a:t>, если клиент не уйдёт в дефолт, </a:t>
             </a:r>
             <a:br>
-              <a:rPr lang="ru-RU" sz="2000" dirty="0"/>
+              <a:rPr lang="en-US" sz="2200" dirty="0"/>
             </a:br>
-            <a:endParaRPr lang="LID4096" sz="2000" dirty="0"/>
+            <a:r>
+              <a:rPr lang="ru-RU" sz="2400" b="1" dirty="0"/>
+              <a:t>1</a:t>
+            </a:r>
+            <a:r>
+              <a:rPr lang="ru-RU" sz="2200" dirty="0"/>
+              <a:t> — в противном случае.</a:t>
+            </a:r>
+            <a:br>
+              <a:rPr lang="ru-RU" sz="2200" dirty="0"/>
+            </a:br>
+            <a:endParaRPr lang="LID4096" sz="2200" dirty="0"/>
           </a:p>
         </p:txBody>
       </p:sp>

--- a/media/Credit_Risk_Management_Presentation.pptx
+++ b/media/Credit_Risk_Management_Presentation.pptx
@@ -216,7 +216,7 @@
             <a:pPr rtl="0"/>
             <a:fld id="{79F2607F-EAB8-462D-9596-B11A1C51125F}" type="datetime1">
               <a:rPr lang="ru-RU" smtClean="0"/>
-              <a:t>03.01.2025</a:t>
+              <a:t>04.01.2025</a:t>
             </a:fld>
             <a:endParaRPr lang="en-US" dirty="0"/>
           </a:p>
@@ -386,7 +386,7 @@
             <a:pPr rtl="0"/>
             <a:fld id="{150EC31D-9C0F-4EDB-9AC9-93AE84D7514D}" type="datetime1">
               <a:rPr lang="ru-RU" smtClean="0"/>
-              <a:t>03.01.2025</a:t>
+              <a:t>04.01.2025</a:t>
             </a:fld>
             <a:endParaRPr lang="en-US"/>
           </a:p>
@@ -900,7 +900,7 @@
             <a:pPr rtl="0"/>
             <a:fld id="{1948E6C3-8E12-426B-A56F-861F8B162AC6}" type="datetime1">
               <a:rPr lang="ru-RU" smtClean="0"/>
-              <a:t>03.01.2025</a:t>
+              <a:t>04.01.2025</a:t>
             </a:fld>
             <a:endParaRPr lang="en-US" dirty="0"/>
           </a:p>
@@ -1115,7 +1115,7 @@
             <a:pPr rtl="0"/>
             <a:fld id="{AD323C2A-FDF4-456A-A556-14045268B55D}" type="datetime1">
               <a:rPr lang="ru-RU" smtClean="0"/>
-              <a:t>03.01.2025</a:t>
+              <a:t>04.01.2025</a:t>
             </a:fld>
             <a:endParaRPr lang="en-US" dirty="0"/>
           </a:p>
@@ -1489,7 +1489,7 @@
             <a:pPr rtl="0"/>
             <a:fld id="{BBD5CFD7-CC7C-49C5-B221-A9E29F5846A0}" type="datetime1">
               <a:rPr lang="ru-RU" smtClean="0"/>
-              <a:t>03.01.2025</a:t>
+              <a:t>04.01.2025</a:t>
             </a:fld>
             <a:endParaRPr lang="en-US" dirty="0"/>
           </a:p>
@@ -1699,7 +1699,7 @@
             <a:pPr rtl="0"/>
             <a:fld id="{6E13CF11-4D7C-4367-8D00-578223D03103}" type="datetime1">
               <a:rPr lang="ru-RU" smtClean="0"/>
-              <a:t>03.01.2025</a:t>
+              <a:t>04.01.2025</a:t>
             </a:fld>
             <a:endParaRPr lang="en-US" dirty="0"/>
           </a:p>
@@ -2023,7 +2023,7 @@
             <a:pPr rtl="0"/>
             <a:fld id="{4540FCE8-CB6C-4798-845F-C8260D76B307}" type="datetime1">
               <a:rPr lang="ru-RU" smtClean="0"/>
-              <a:t>03.01.2025</a:t>
+              <a:t>04.01.2025</a:t>
             </a:fld>
             <a:endParaRPr lang="en-US" dirty="0"/>
           </a:p>
@@ -2288,7 +2288,7 @@
             <a:pPr rtl="0"/>
             <a:fld id="{93C13A7E-4C64-47B0-B355-B165BE4012BA}" type="datetime1">
               <a:rPr lang="ru-RU" smtClean="0"/>
-              <a:t>03.01.2025</a:t>
+              <a:t>04.01.2025</a:t>
             </a:fld>
             <a:endParaRPr lang="en-US" dirty="0"/>
           </a:p>
@@ -2722,7 +2722,7 @@
             <a:pPr rtl="0"/>
             <a:fld id="{731CA3B4-5CE4-4976-BBFE-4E91C7258FC5}" type="datetime1">
               <a:rPr lang="ru-RU" smtClean="0"/>
-              <a:t>03.01.2025</a:t>
+              <a:t>04.01.2025</a:t>
             </a:fld>
             <a:endParaRPr lang="en-US" dirty="0"/>
           </a:p>
@@ -2857,7 +2857,7 @@
             <a:pPr rtl="0"/>
             <a:fld id="{D5316041-DA7D-4734-AA8C-761AB09393E2}" type="datetime1">
               <a:rPr lang="ru-RU" smtClean="0"/>
-              <a:t>03.01.2025</a:t>
+              <a:t>04.01.2025</a:t>
             </a:fld>
             <a:endParaRPr lang="en-US" dirty="0"/>
           </a:p>
@@ -2963,7 +2963,7 @@
             <a:pPr rtl="0"/>
             <a:fld id="{8692EF8B-D3DF-4216-96A1-1B1DE794B37A}" type="datetime1">
               <a:rPr lang="ru-RU" smtClean="0"/>
-              <a:t>03.01.2025</a:t>
+              <a:t>04.01.2025</a:t>
             </a:fld>
             <a:endParaRPr lang="en-US" dirty="0"/>
           </a:p>
@@ -3352,7 +3352,7 @@
             <a:pPr rtl="0"/>
             <a:fld id="{09563768-3096-48CB-A41A-8D454362CCAD}" type="datetime1">
               <a:rPr lang="ru-RU" smtClean="0"/>
-              <a:t>03.01.2025</a:t>
+              <a:t>04.01.2025</a:t>
             </a:fld>
             <a:endParaRPr lang="en-US" dirty="0"/>
           </a:p>
@@ -3658,7 +3658,7 @@
             <a:pPr rtl="0"/>
             <a:fld id="{530088EE-0E82-4198-BDFF-3B9755AA8919}" type="datetime1">
               <a:rPr lang="ru-RU" smtClean="0"/>
-              <a:t>03.01.2025</a:t>
+              <a:t>04.01.2025</a:t>
             </a:fld>
             <a:endParaRPr lang="en-US" dirty="0"/>
           </a:p>
@@ -3884,7 +3884,7 @@
             <a:pPr rtl="0"/>
             <a:fld id="{C6B9E6FA-8E94-487D-81C3-7EE9BB2FD23D}" type="datetime1">
               <a:rPr lang="ru-RU" smtClean="0"/>
-              <a:t>03.01.2025</a:t>
+              <a:t>04.01.2025</a:t>
             </a:fld>
             <a:endParaRPr lang="en-US" dirty="0"/>
           </a:p>
@@ -5021,7 +5021,7 @@
             <a:pPr rtl="0"/>
             <a:fld id="{6E13CF11-4D7C-4367-8D00-578223D03103}" type="datetime1">
               <a:rPr lang="ru-RU" smtClean="0"/>
-              <a:t>03.01.2025</a:t>
+              <a:t>04.01.2025</a:t>
             </a:fld>
             <a:endParaRPr lang="en-US" dirty="0"/>
           </a:p>
@@ -5488,7 +5488,7 @@
             </a:r>
             <a:r>
               <a:rPr lang="ru-RU" sz="2200" dirty="0"/>
-              <a:t>, если клиент не уйдёт в дефолт, </a:t>
+              <a:t> — клиент не уйдёт в дефолт, </a:t>
             </a:r>
             <a:br>
               <a:rPr lang="en-US" sz="2200" dirty="0"/>
@@ -5532,7 +5532,7 @@
             <a:pPr rtl="0"/>
             <a:fld id="{6E13CF11-4D7C-4367-8D00-578223D03103}" type="datetime1">
               <a:rPr lang="ru-RU" smtClean="0"/>
-              <a:t>03.01.2025</a:t>
+              <a:t>04.01.2025</a:t>
             </a:fld>
             <a:endParaRPr lang="en-US" dirty="0"/>
           </a:p>
@@ -5804,7 +5804,7 @@
             <a:fld id="{6E13CF11-4D7C-4367-8D00-578223D03103}" type="datetime1">
               <a:rPr lang="ru-RU" sz="1600" smtClean="0"/>
               <a:pPr algn="ctr" rtl="0"/>
-              <a:t>03.01.2025</a:t>
+              <a:t>04.01.2025</a:t>
             </a:fld>
             <a:endParaRPr lang="en-US" dirty="0"/>
           </a:p>
@@ -6135,7 +6135,7 @@
           <a:p>
             <a:r>
               <a:rPr lang="ru-RU" sz="3200" dirty="0"/>
-              <a:t>Цель: создать модель кредитного риск-менеджмента для предсказания дефолта клиента по кредиту.</a:t>
+              <a:t>Цель: создать модель кредитного риск-менеджмента для предсказания дефолта клиента.</a:t>
             </a:r>
           </a:p>
           <a:p>
@@ -6243,7 +6243,7 @@
         </p:nvSpPr>
         <p:spPr>
           <a:xfrm>
-            <a:off x="751415" y="1836038"/>
+            <a:off x="1132948" y="1836037"/>
             <a:ext cx="4572000" cy="795867"/>
           </a:xfrm>
           <a:prstGeom prst="roundRect">
@@ -6319,7 +6319,7 @@
         </p:nvSpPr>
         <p:spPr>
           <a:xfrm>
-            <a:off x="6678083" y="1836038"/>
+            <a:off x="6483349" y="1836038"/>
             <a:ext cx="4572000" cy="795867"/>
           </a:xfrm>
           <a:prstGeom prst="roundRect">
@@ -6395,7 +6395,7 @@
         </p:nvSpPr>
         <p:spPr>
           <a:xfrm>
-            <a:off x="751415" y="2975001"/>
+            <a:off x="1132948" y="2975000"/>
             <a:ext cx="4572000" cy="638175"/>
           </a:xfrm>
           <a:prstGeom prst="roundRect">
@@ -6467,7 +6467,7 @@
         </p:nvSpPr>
         <p:spPr>
           <a:xfrm>
-            <a:off x="755119" y="3822726"/>
+            <a:off x="1136652" y="3822725"/>
             <a:ext cx="4572000" cy="638175"/>
           </a:xfrm>
           <a:prstGeom prst="roundRect">
@@ -6534,7 +6534,7 @@
         </p:nvSpPr>
         <p:spPr>
           <a:xfrm>
-            <a:off x="751415" y="4670451"/>
+            <a:off x="1132948" y="4670450"/>
             <a:ext cx="4572000" cy="638175"/>
           </a:xfrm>
           <a:prstGeom prst="roundRect">
@@ -6609,7 +6609,7 @@
         </p:nvSpPr>
         <p:spPr>
           <a:xfrm>
-            <a:off x="751415" y="5511852"/>
+            <a:off x="1132948" y="5511851"/>
             <a:ext cx="4572000" cy="638175"/>
           </a:xfrm>
           <a:prstGeom prst="roundRect">
@@ -6668,7 +6668,7 @@
         </p:nvSpPr>
         <p:spPr>
           <a:xfrm>
-            <a:off x="6678083" y="2975000"/>
+            <a:off x="6483349" y="2975000"/>
             <a:ext cx="4572000" cy="638175"/>
           </a:xfrm>
           <a:prstGeom prst="roundRect">
@@ -6740,7 +6740,7 @@
         </p:nvSpPr>
         <p:spPr>
           <a:xfrm>
-            <a:off x="6678083" y="3822726"/>
+            <a:off x="6483349" y="3822726"/>
             <a:ext cx="4572000" cy="638175"/>
           </a:xfrm>
           <a:prstGeom prst="roundRect">
@@ -6823,7 +6823,7 @@
         </p:nvSpPr>
         <p:spPr>
           <a:xfrm>
-            <a:off x="6678083" y="4670450"/>
+            <a:off x="6483349" y="4670450"/>
             <a:ext cx="4572000" cy="638175"/>
           </a:xfrm>
           <a:prstGeom prst="roundRect">
@@ -6882,7 +6882,7 @@
         </p:nvSpPr>
         <p:spPr>
           <a:xfrm>
-            <a:off x="6678083" y="5511851"/>
+            <a:off x="6483349" y="5511851"/>
             <a:ext cx="4572000" cy="638175"/>
           </a:xfrm>
           <a:prstGeom prst="roundRect">
@@ -7871,8 +7871,8 @@
         </p:nvSpPr>
         <p:spPr>
           <a:xfrm>
-            <a:off x="6618609" y="3033432"/>
-            <a:ext cx="4819482" cy="2941918"/>
+            <a:off x="6618609" y="2074333"/>
+            <a:ext cx="4819482" cy="4081511"/>
           </a:xfrm>
           <a:prstGeom prst="rect">
             <a:avLst/>
@@ -7880,7 +7880,7 @@
         </p:spPr>
         <p:txBody>
           <a:bodyPr vert="horz" lIns="91440" tIns="45720" rIns="91440" bIns="45720" rtlCol="0" anchor="ctr">
-            <a:normAutofit fontScale="92500" lnSpcReduction="20000"/>
+            <a:normAutofit fontScale="92500" lnSpcReduction="10000"/>
           </a:bodyPr>
           <a:lstStyle>
             <a:lvl1pPr marL="306000" indent="-306000" algn="l" defTabSz="457200" rtl="0" eaLnBrk="1" latinLnBrk="0" hangingPunct="1">
@@ -8162,6 +8162,20 @@
               <a:rPr lang="ru-RU" sz="2000" dirty="0"/>
               <a:t> — наш выбор!</a:t>
             </a:r>
+            <a:endParaRPr lang="en-US" sz="2000" dirty="0"/>
+          </a:p>
+          <a:p>
+            <a:r>
+              <a:rPr lang="ru-RU" sz="2400" dirty="0"/>
+              <a:t>Чистка</a:t>
+            </a:r>
+            <a:br>
+              <a:rPr lang="ru-RU" sz="2400" dirty="0"/>
+            </a:br>
+            <a:r>
+              <a:rPr lang="ru-RU" sz="2200" dirty="0"/>
+              <a:t>от коррелированных признаков</a:t>
+            </a:r>
             <a:endParaRPr lang="en-US" sz="2400" dirty="0"/>
           </a:p>
         </p:txBody>
@@ -8194,7 +8208,7 @@
         </p:blipFill>
         <p:spPr>
           <a:xfrm>
-            <a:off x="10753503" y="3090272"/>
+            <a:off x="10761970" y="2188235"/>
             <a:ext cx="567328" cy="567328"/>
           </a:xfrm>
           <a:prstGeom prst="rect">
@@ -8230,7 +8244,7 @@
         </p:blipFill>
         <p:spPr>
           <a:xfrm>
-            <a:off x="10753503" y="3846016"/>
+            <a:off x="10761970" y="3009829"/>
             <a:ext cx="567328" cy="567328"/>
           </a:xfrm>
           <a:prstGeom prst="rect">
@@ -8266,7 +8280,7 @@
         </p:blipFill>
         <p:spPr>
           <a:xfrm>
-            <a:off x="10753503" y="4601760"/>
+            <a:off x="10761970" y="3831424"/>
             <a:ext cx="567328" cy="567328"/>
           </a:xfrm>
           <a:prstGeom prst="rect">
@@ -8302,7 +8316,43 @@
         </p:blipFill>
         <p:spPr>
           <a:xfrm>
-            <a:off x="10753503" y="5357504"/>
+            <a:off x="10761970" y="4668784"/>
+            <a:ext cx="567328" cy="567328"/>
+          </a:xfrm>
+          <a:prstGeom prst="rect">
+            <a:avLst/>
+          </a:prstGeom>
+        </p:spPr>
+      </p:pic>
+      <p:pic>
+        <p:nvPicPr>
+          <p:cNvPr id="12" name="Рисунок 11">
+            <a:extLst>
+              <a:ext uri="{FF2B5EF4-FFF2-40B4-BE49-F238E27FC236}">
+                <a16:creationId xmlns:a16="http://schemas.microsoft.com/office/drawing/2014/main" id="{7B4B5121-FA5D-415E-A757-BE09A6612D8C}"/>
+              </a:ext>
+            </a:extLst>
+          </p:cNvPr>
+          <p:cNvPicPr>
+            <a:picLocks noChangeAspect="1"/>
+          </p:cNvPicPr>
+          <p:nvPr/>
+        </p:nvPicPr>
+        <p:blipFill>
+          <a:blip r:embed="rId3">
+            <a:extLst>
+              <a:ext uri="{28A0092B-C50C-407E-A947-70E740481C1C}">
+                <a14:useLocalDpi xmlns:a14="http://schemas.microsoft.com/office/drawing/2010/main" val="0"/>
+              </a:ext>
+            </a:extLst>
+          </a:blip>
+          <a:stretch>
+            <a:fillRect/>
+          </a:stretch>
+        </p:blipFill>
+        <p:spPr>
+          <a:xfrm>
+            <a:off x="10767071" y="5453255"/>
             <a:ext cx="567328" cy="567328"/>
           </a:xfrm>
           <a:prstGeom prst="rect">
@@ -8403,7 +8453,7 @@
             <a:pPr rtl="0"/>
             <a:fld id="{6E13CF11-4D7C-4367-8D00-578223D03103}" type="datetime1">
               <a:rPr lang="ru-RU" smtClean="0"/>
-              <a:t>03.01.2025</a:t>
+              <a:t>04.01.2025</a:t>
             </a:fld>
             <a:endParaRPr lang="en-US" dirty="0"/>
           </a:p>
@@ -8921,7 +8971,12 @@
           <a:prstGeom prst="rightBrace">
             <a:avLst/>
           </a:prstGeom>
-          <a:ln w="47625"/>
+          <a:noFill/>
+          <a:ln w="47625" cap="flat" cmpd="sng">
+            <a:round/>
+            <a:headEnd type="none" w="lg" len="lg"/>
+            <a:tailEnd type="none"/>
+          </a:ln>
         </p:spPr>
         <p:style>
           <a:lnRef idx="1">
@@ -9059,7 +9114,7 @@
           <a:p>
             <a:r>
               <a:rPr lang="en-US" sz="2800" dirty="0" err="1"/>
-              <a:t>ExtremeForrestClassifier</a:t>
+              <a:t>ExtraTreesClassifier</a:t>
             </a:r>
             <a:endParaRPr lang="en-US" sz="2800" dirty="0"/>
           </a:p>
@@ -9096,7 +9151,7 @@
             <a:pPr rtl="0"/>
             <a:fld id="{6E13CF11-4D7C-4367-8D00-578223D03103}" type="datetime1">
               <a:rPr lang="ru-RU" smtClean="0"/>
-              <a:t>03.01.2025</a:t>
+              <a:t>04.01.2025</a:t>
             </a:fld>
             <a:endParaRPr lang="en-US" dirty="0"/>
           </a:p>
@@ -9787,7 +9842,7 @@
             <a:pPr rtl="0"/>
             <a:fld id="{6E13CF11-4D7C-4367-8D00-578223D03103}" type="datetime1">
               <a:rPr lang="ru-RU" smtClean="0"/>
-              <a:t>03.01.2025</a:t>
+              <a:t>04.01.2025</a:t>
             </a:fld>
             <a:endParaRPr lang="en-US" dirty="0"/>
           </a:p>
@@ -10124,7 +10179,7 @@
           <a:p>
             <a:r>
               <a:rPr lang="ru-RU" sz="2800" dirty="0"/>
-              <a:t>Средний скор:</a:t>
+              <a:t>Средний балл:</a:t>
             </a:r>
             <a:endParaRPr lang="en-US" sz="2800" dirty="0"/>
           </a:p>
